--- a/docs/re.pptx
+++ b/docs/re.pptx
@@ -4,6 +4,9 @@
   <p:sldMasterIdLst>
     <p:sldMasterId id="2147483648" r:id="rId1"/>
   </p:sldMasterIdLst>
+  <p:notesMasterIdLst>
+    <p:notesMasterId r:id="rId42"/>
+  </p:notesMasterIdLst>
   <p:sldIdLst>
     <p:sldId id="256" r:id="rId2"/>
     <p:sldId id="257" r:id="rId3"/>
@@ -42,6 +45,9 @@
     <p:sldId id="290" r:id="rId36"/>
     <p:sldId id="291" r:id="rId37"/>
     <p:sldId id="292" r:id="rId38"/>
+    <p:sldId id="293" r:id="rId39"/>
+    <p:sldId id="295" r:id="rId40"/>
+    <p:sldId id="296" r:id="rId41"/>
   </p:sldIdLst>
   <p:sldSz cx="12192000" cy="6858000"/>
   <p:notesSz cx="6858000" cy="9144000"/>
@@ -148,6 +154,464 @@
 </p:presentation>
 </file>
 
+<file path=ppt/notesMasters/notesMaster1.xml><?xml version="1.0" encoding="utf-8"?>
+<p:notesMaster xmlns:a="http://schemas.openxmlformats.org/drawingml/2006/main" xmlns:r="http://schemas.openxmlformats.org/officeDocument/2006/relationships" xmlns:p="http://schemas.openxmlformats.org/presentationml/2006/main">
+  <p:cSld>
+    <p:bg>
+      <p:bgRef idx="1001">
+        <a:schemeClr val="bg1"/>
+      </p:bgRef>
+    </p:bg>
+    <p:spTree>
+      <p:nvGrpSpPr>
+        <p:cNvPr id="1" name=""/>
+        <p:cNvGrpSpPr/>
+        <p:nvPr/>
+      </p:nvGrpSpPr>
+      <p:grpSpPr>
+        <a:xfrm>
+          <a:off x="0" y="0"/>
+          <a:ext cx="0" cy="0"/>
+          <a:chOff x="0" y="0"/>
+          <a:chExt cx="0" cy="0"/>
+        </a:xfrm>
+      </p:grpSpPr>
+      <p:sp>
+        <p:nvSpPr>
+          <p:cNvPr id="2" name="Верхний колонтитул 1"/>
+          <p:cNvSpPr>
+            <a:spLocks noGrp="1"/>
+          </p:cNvSpPr>
+          <p:nvPr>
+            <p:ph type="hdr" sz="quarter"/>
+          </p:nvPr>
+        </p:nvSpPr>
+        <p:spPr>
+          <a:xfrm>
+            <a:off x="0" y="0"/>
+            <a:ext cx="2971800" cy="458788"/>
+          </a:xfrm>
+          <a:prstGeom prst="rect">
+            <a:avLst/>
+          </a:prstGeom>
+        </p:spPr>
+        <p:txBody>
+          <a:bodyPr vert="horz" lIns="91440" tIns="45720" rIns="91440" bIns="45720" rtlCol="0"/>
+          <a:lstStyle>
+            <a:lvl1pPr algn="l">
+              <a:defRPr sz="1200"/>
+            </a:lvl1pPr>
+          </a:lstStyle>
+          <a:p>
+            <a:endParaRPr lang="ru-RU"/>
+          </a:p>
+        </p:txBody>
+      </p:sp>
+      <p:sp>
+        <p:nvSpPr>
+          <p:cNvPr id="3" name="Дата 2"/>
+          <p:cNvSpPr>
+            <a:spLocks noGrp="1"/>
+          </p:cNvSpPr>
+          <p:nvPr>
+            <p:ph type="dt" idx="1"/>
+          </p:nvPr>
+        </p:nvSpPr>
+        <p:spPr>
+          <a:xfrm>
+            <a:off x="3884613" y="0"/>
+            <a:ext cx="2971800" cy="458788"/>
+          </a:xfrm>
+          <a:prstGeom prst="rect">
+            <a:avLst/>
+          </a:prstGeom>
+        </p:spPr>
+        <p:txBody>
+          <a:bodyPr vert="horz" lIns="91440" tIns="45720" rIns="91440" bIns="45720" rtlCol="0"/>
+          <a:lstStyle>
+            <a:lvl1pPr algn="r">
+              <a:defRPr sz="1200"/>
+            </a:lvl1pPr>
+          </a:lstStyle>
+          <a:p>
+            <a:fld id="{5C0A5051-25CB-45D2-89A1-0AB0E8CEF5FA}" type="datetimeFigureOut">
+              <a:rPr lang="ru-RU" smtClean="0"/>
+              <a:t>14.02.2020</a:t>
+            </a:fld>
+            <a:endParaRPr lang="ru-RU"/>
+          </a:p>
+        </p:txBody>
+      </p:sp>
+      <p:sp>
+        <p:nvSpPr>
+          <p:cNvPr id="4" name="Образ слайда 3"/>
+          <p:cNvSpPr>
+            <a:spLocks noGrp="1" noRot="1" noChangeAspect="1"/>
+          </p:cNvSpPr>
+          <p:nvPr>
+            <p:ph type="sldImg" idx="2"/>
+          </p:nvPr>
+        </p:nvSpPr>
+        <p:spPr>
+          <a:xfrm>
+            <a:off x="685800" y="1143000"/>
+            <a:ext cx="5486400" cy="3086100"/>
+          </a:xfrm>
+          <a:prstGeom prst="rect">
+            <a:avLst/>
+          </a:prstGeom>
+          <a:noFill/>
+          <a:ln w="12700">
+            <a:solidFill>
+              <a:prstClr val="black"/>
+            </a:solidFill>
+          </a:ln>
+        </p:spPr>
+        <p:txBody>
+          <a:bodyPr vert="horz" lIns="91440" tIns="45720" rIns="91440" bIns="45720" rtlCol="0" anchor="ctr"/>
+          <a:lstStyle/>
+          <a:p>
+            <a:endParaRPr lang="ru-RU"/>
+          </a:p>
+        </p:txBody>
+      </p:sp>
+      <p:sp>
+        <p:nvSpPr>
+          <p:cNvPr id="5" name="Заметки 4"/>
+          <p:cNvSpPr>
+            <a:spLocks noGrp="1"/>
+          </p:cNvSpPr>
+          <p:nvPr>
+            <p:ph type="body" sz="quarter" idx="3"/>
+          </p:nvPr>
+        </p:nvSpPr>
+        <p:spPr>
+          <a:xfrm>
+            <a:off x="685800" y="4400550"/>
+            <a:ext cx="5486400" cy="3600450"/>
+          </a:xfrm>
+          <a:prstGeom prst="rect">
+            <a:avLst/>
+          </a:prstGeom>
+        </p:spPr>
+        <p:txBody>
+          <a:bodyPr vert="horz" lIns="91440" tIns="45720" rIns="91440" bIns="45720" rtlCol="0"/>
+          <a:lstStyle/>
+          <a:p>
+            <a:pPr lvl="0"/>
+            <a:r>
+              <a:rPr lang="ru-RU" smtClean="0"/>
+              <a:t>Образец текста</a:t>
+            </a:r>
+          </a:p>
+          <a:p>
+            <a:pPr lvl="1"/>
+            <a:r>
+              <a:rPr lang="ru-RU" smtClean="0"/>
+              <a:t>Второй уровень</a:t>
+            </a:r>
+          </a:p>
+          <a:p>
+            <a:pPr lvl="2"/>
+            <a:r>
+              <a:rPr lang="ru-RU" smtClean="0"/>
+              <a:t>Третий уровень</a:t>
+            </a:r>
+          </a:p>
+          <a:p>
+            <a:pPr lvl="3"/>
+            <a:r>
+              <a:rPr lang="ru-RU" smtClean="0"/>
+              <a:t>Четвертый уровень</a:t>
+            </a:r>
+          </a:p>
+          <a:p>
+            <a:pPr lvl="4"/>
+            <a:r>
+              <a:rPr lang="ru-RU" smtClean="0"/>
+              <a:t>Пятый уровень</a:t>
+            </a:r>
+            <a:endParaRPr lang="ru-RU"/>
+          </a:p>
+        </p:txBody>
+      </p:sp>
+      <p:sp>
+        <p:nvSpPr>
+          <p:cNvPr id="6" name="Нижний колонтитул 5"/>
+          <p:cNvSpPr>
+            <a:spLocks noGrp="1"/>
+          </p:cNvSpPr>
+          <p:nvPr>
+            <p:ph type="ftr" sz="quarter" idx="4"/>
+          </p:nvPr>
+        </p:nvSpPr>
+        <p:spPr>
+          <a:xfrm>
+            <a:off x="0" y="8685213"/>
+            <a:ext cx="2971800" cy="458787"/>
+          </a:xfrm>
+          <a:prstGeom prst="rect">
+            <a:avLst/>
+          </a:prstGeom>
+        </p:spPr>
+        <p:txBody>
+          <a:bodyPr vert="horz" lIns="91440" tIns="45720" rIns="91440" bIns="45720" rtlCol="0" anchor="b"/>
+          <a:lstStyle>
+            <a:lvl1pPr algn="l">
+              <a:defRPr sz="1200"/>
+            </a:lvl1pPr>
+          </a:lstStyle>
+          <a:p>
+            <a:endParaRPr lang="ru-RU"/>
+          </a:p>
+        </p:txBody>
+      </p:sp>
+      <p:sp>
+        <p:nvSpPr>
+          <p:cNvPr id="7" name="Номер слайда 6"/>
+          <p:cNvSpPr>
+            <a:spLocks noGrp="1"/>
+          </p:cNvSpPr>
+          <p:nvPr>
+            <p:ph type="sldNum" sz="quarter" idx="5"/>
+          </p:nvPr>
+        </p:nvSpPr>
+        <p:spPr>
+          <a:xfrm>
+            <a:off x="3884613" y="8685213"/>
+            <a:ext cx="2971800" cy="458787"/>
+          </a:xfrm>
+          <a:prstGeom prst="rect">
+            <a:avLst/>
+          </a:prstGeom>
+        </p:spPr>
+        <p:txBody>
+          <a:bodyPr vert="horz" lIns="91440" tIns="45720" rIns="91440" bIns="45720" rtlCol="0" anchor="b"/>
+          <a:lstStyle>
+            <a:lvl1pPr algn="r">
+              <a:defRPr sz="1200"/>
+            </a:lvl1pPr>
+          </a:lstStyle>
+          <a:p>
+            <a:fld id="{4DDA738E-576E-4EB5-894A-23F80AFF3704}" type="slidenum">
+              <a:rPr lang="ru-RU" smtClean="0"/>
+              <a:t>‹#›</a:t>
+            </a:fld>
+            <a:endParaRPr lang="ru-RU"/>
+          </a:p>
+        </p:txBody>
+      </p:sp>
+    </p:spTree>
+    <p:extLst>
+      <p:ext uri="{BB962C8B-B14F-4D97-AF65-F5344CB8AC3E}">
+        <p14:creationId xmlns:p14="http://schemas.microsoft.com/office/powerpoint/2010/main" val="320965331"/>
+      </p:ext>
+    </p:extLst>
+  </p:cSld>
+  <p:clrMap bg1="lt1" tx1="dk1" bg2="lt2" tx2="dk2" accent1="accent1" accent2="accent2" accent3="accent3" accent4="accent4" accent5="accent5" accent6="accent6" hlink="hlink" folHlink="folHlink"/>
+  <p:notesStyle>
+    <a:lvl1pPr marL="0" algn="l" defTabSz="914400" rtl="0" eaLnBrk="1" latinLnBrk="0" hangingPunct="1">
+      <a:defRPr sz="1200" kern="1200">
+        <a:solidFill>
+          <a:schemeClr val="tx1"/>
+        </a:solidFill>
+        <a:latin typeface="+mn-lt"/>
+        <a:ea typeface="+mn-ea"/>
+        <a:cs typeface="+mn-cs"/>
+      </a:defRPr>
+    </a:lvl1pPr>
+    <a:lvl2pPr marL="457200" algn="l" defTabSz="914400" rtl="0" eaLnBrk="1" latinLnBrk="0" hangingPunct="1">
+      <a:defRPr sz="1200" kern="1200">
+        <a:solidFill>
+          <a:schemeClr val="tx1"/>
+        </a:solidFill>
+        <a:latin typeface="+mn-lt"/>
+        <a:ea typeface="+mn-ea"/>
+        <a:cs typeface="+mn-cs"/>
+      </a:defRPr>
+    </a:lvl2pPr>
+    <a:lvl3pPr marL="914400" algn="l" defTabSz="914400" rtl="0" eaLnBrk="1" latinLnBrk="0" hangingPunct="1">
+      <a:defRPr sz="1200" kern="1200">
+        <a:solidFill>
+          <a:schemeClr val="tx1"/>
+        </a:solidFill>
+        <a:latin typeface="+mn-lt"/>
+        <a:ea typeface="+mn-ea"/>
+        <a:cs typeface="+mn-cs"/>
+      </a:defRPr>
+    </a:lvl3pPr>
+    <a:lvl4pPr marL="1371600" algn="l" defTabSz="914400" rtl="0" eaLnBrk="1" latinLnBrk="0" hangingPunct="1">
+      <a:defRPr sz="1200" kern="1200">
+        <a:solidFill>
+          <a:schemeClr val="tx1"/>
+        </a:solidFill>
+        <a:latin typeface="+mn-lt"/>
+        <a:ea typeface="+mn-ea"/>
+        <a:cs typeface="+mn-cs"/>
+      </a:defRPr>
+    </a:lvl4pPr>
+    <a:lvl5pPr marL="1828800" algn="l" defTabSz="914400" rtl="0" eaLnBrk="1" latinLnBrk="0" hangingPunct="1">
+      <a:defRPr sz="1200" kern="1200">
+        <a:solidFill>
+          <a:schemeClr val="tx1"/>
+        </a:solidFill>
+        <a:latin typeface="+mn-lt"/>
+        <a:ea typeface="+mn-ea"/>
+        <a:cs typeface="+mn-cs"/>
+      </a:defRPr>
+    </a:lvl5pPr>
+    <a:lvl6pPr marL="2286000" algn="l" defTabSz="914400" rtl="0" eaLnBrk="1" latinLnBrk="0" hangingPunct="1">
+      <a:defRPr sz="1200" kern="1200">
+        <a:solidFill>
+          <a:schemeClr val="tx1"/>
+        </a:solidFill>
+        <a:latin typeface="+mn-lt"/>
+        <a:ea typeface="+mn-ea"/>
+        <a:cs typeface="+mn-cs"/>
+      </a:defRPr>
+    </a:lvl6pPr>
+    <a:lvl7pPr marL="2743200" algn="l" defTabSz="914400" rtl="0" eaLnBrk="1" latinLnBrk="0" hangingPunct="1">
+      <a:defRPr sz="1200" kern="1200">
+        <a:solidFill>
+          <a:schemeClr val="tx1"/>
+        </a:solidFill>
+        <a:latin typeface="+mn-lt"/>
+        <a:ea typeface="+mn-ea"/>
+        <a:cs typeface="+mn-cs"/>
+      </a:defRPr>
+    </a:lvl7pPr>
+    <a:lvl8pPr marL="3200400" algn="l" defTabSz="914400" rtl="0" eaLnBrk="1" latinLnBrk="0" hangingPunct="1">
+      <a:defRPr sz="1200" kern="1200">
+        <a:solidFill>
+          <a:schemeClr val="tx1"/>
+        </a:solidFill>
+        <a:latin typeface="+mn-lt"/>
+        <a:ea typeface="+mn-ea"/>
+        <a:cs typeface="+mn-cs"/>
+      </a:defRPr>
+    </a:lvl8pPr>
+    <a:lvl9pPr marL="3657600" algn="l" defTabSz="914400" rtl="0" eaLnBrk="1" latinLnBrk="0" hangingPunct="1">
+      <a:defRPr sz="1200" kern="1200">
+        <a:solidFill>
+          <a:schemeClr val="tx1"/>
+        </a:solidFill>
+        <a:latin typeface="+mn-lt"/>
+        <a:ea typeface="+mn-ea"/>
+        <a:cs typeface="+mn-cs"/>
+      </a:defRPr>
+    </a:lvl9pPr>
+  </p:notesStyle>
+</p:notesMaster>
+</file>
+
+<file path=ppt/notesSlides/notesSlide1.xml><?xml version="1.0" encoding="utf-8"?>
+<p:notes xmlns:a="http://schemas.openxmlformats.org/drawingml/2006/main" xmlns:r="http://schemas.openxmlformats.org/officeDocument/2006/relationships" xmlns:p="http://schemas.openxmlformats.org/presentationml/2006/main">
+  <p:cSld>
+    <p:spTree>
+      <p:nvGrpSpPr>
+        <p:cNvPr id="1" name=""/>
+        <p:cNvGrpSpPr/>
+        <p:nvPr/>
+      </p:nvGrpSpPr>
+      <p:grpSpPr>
+        <a:xfrm>
+          <a:off x="0" y="0"/>
+          <a:ext cx="0" cy="0"/>
+          <a:chOff x="0" y="0"/>
+          <a:chExt cx="0" cy="0"/>
+        </a:xfrm>
+      </p:grpSpPr>
+      <p:sp>
+        <p:nvSpPr>
+          <p:cNvPr id="2" name="Образ слайда 1"/>
+          <p:cNvSpPr>
+            <a:spLocks noGrp="1" noRot="1" noChangeAspect="1"/>
+          </p:cNvSpPr>
+          <p:nvPr>
+            <p:ph type="sldImg"/>
+          </p:nvPr>
+        </p:nvSpPr>
+        <p:spPr/>
+      </p:sp>
+      <p:sp>
+        <p:nvSpPr>
+          <p:cNvPr id="3" name="Заметки 2"/>
+          <p:cNvSpPr>
+            <a:spLocks noGrp="1"/>
+          </p:cNvSpPr>
+          <p:nvPr>
+            <p:ph type="body" idx="1"/>
+          </p:nvPr>
+        </p:nvSpPr>
+        <p:spPr/>
+        <p:txBody>
+          <a:bodyPr/>
+          <a:lstStyle/>
+          <a:p>
+            <a:r>
+              <a:rPr lang="en-US" dirty="0" smtClean="0"/>
+              <a:t>^(</a:t>
+            </a:r>
+            <a:r>
+              <a:rPr lang="en-US" dirty="0" err="1" smtClean="0"/>
+              <a:t>bac|abc</a:t>
+            </a:r>
+            <a:r>
+              <a:rPr lang="en-US" dirty="0" smtClean="0"/>
+              <a:t>)*(</a:t>
+            </a:r>
+            <a:r>
+              <a:rPr lang="en-US" dirty="0" err="1" smtClean="0"/>
+              <a:t>db|bd</a:t>
+            </a:r>
+            <a:r>
+              <a:rPr lang="en-US" dirty="0" smtClean="0"/>
+              <a:t>)$ - </a:t>
+            </a:r>
+            <a:r>
+              <a:rPr lang="ru-RU" dirty="0" smtClean="0"/>
+              <a:t>ответ</a:t>
+            </a:r>
+            <a:endParaRPr lang="ru-RU" dirty="0"/>
+          </a:p>
+        </p:txBody>
+      </p:sp>
+      <p:sp>
+        <p:nvSpPr>
+          <p:cNvPr id="4" name="Номер слайда 3"/>
+          <p:cNvSpPr>
+            <a:spLocks noGrp="1"/>
+          </p:cNvSpPr>
+          <p:nvPr>
+            <p:ph type="sldNum" sz="quarter" idx="10"/>
+          </p:nvPr>
+        </p:nvSpPr>
+        <p:spPr/>
+        <p:txBody>
+          <a:bodyPr/>
+          <a:lstStyle/>
+          <a:p>
+            <a:fld id="{4DDA738E-576E-4EB5-894A-23F80AFF3704}" type="slidenum">
+              <a:rPr lang="ru-RU" smtClean="0"/>
+              <a:t>38</a:t>
+            </a:fld>
+            <a:endParaRPr lang="ru-RU"/>
+          </a:p>
+        </p:txBody>
+      </p:sp>
+    </p:spTree>
+    <p:extLst>
+      <p:ext uri="{BB962C8B-B14F-4D97-AF65-F5344CB8AC3E}">
+        <p14:creationId xmlns:p14="http://schemas.microsoft.com/office/powerpoint/2010/main" val="3081986717"/>
+      </p:ext>
+    </p:extLst>
+  </p:cSld>
+  <p:clrMapOvr>
+    <a:masterClrMapping/>
+  </p:clrMapOvr>
+</p:notes>
+</file>
+
 <file path=ppt/slideLayouts/slideLayout1.xml><?xml version="1.0" encoding="utf-8"?>
 <p:sldLayout xmlns:a="http://schemas.openxmlformats.org/drawingml/2006/main" xmlns:r="http://schemas.openxmlformats.org/officeDocument/2006/relationships" xmlns:p="http://schemas.openxmlformats.org/presentationml/2006/main" type="title" preserve="1">
   <p:cSld name="Титульный слайд">
@@ -279,7 +743,7 @@
           <a:p>
             <a:fld id="{C525F744-25B4-41E1-B505-DA663DD8A4A5}" type="datetimeFigureOut">
               <a:rPr lang="ru-RU" smtClean="0"/>
-              <a:t>13.02.2020</a:t>
+              <a:t>14.02.2020</a:t>
             </a:fld>
             <a:endParaRPr lang="ru-RU"/>
           </a:p>
@@ -449,7 +913,7 @@
           <a:p>
             <a:fld id="{C525F744-25B4-41E1-B505-DA663DD8A4A5}" type="datetimeFigureOut">
               <a:rPr lang="ru-RU" smtClean="0"/>
-              <a:t>13.02.2020</a:t>
+              <a:t>14.02.2020</a:t>
             </a:fld>
             <a:endParaRPr lang="ru-RU"/>
           </a:p>
@@ -629,7 +1093,7 @@
           <a:p>
             <a:fld id="{C525F744-25B4-41E1-B505-DA663DD8A4A5}" type="datetimeFigureOut">
               <a:rPr lang="ru-RU" smtClean="0"/>
-              <a:t>13.02.2020</a:t>
+              <a:t>14.02.2020</a:t>
             </a:fld>
             <a:endParaRPr lang="ru-RU"/>
           </a:p>
@@ -799,7 +1263,7 @@
           <a:p>
             <a:fld id="{C525F744-25B4-41E1-B505-DA663DD8A4A5}" type="datetimeFigureOut">
               <a:rPr lang="ru-RU" smtClean="0"/>
-              <a:t>13.02.2020</a:t>
+              <a:t>14.02.2020</a:t>
             </a:fld>
             <a:endParaRPr lang="ru-RU"/>
           </a:p>
@@ -1045,7 +1509,7 @@
           <a:p>
             <a:fld id="{C525F744-25B4-41E1-B505-DA663DD8A4A5}" type="datetimeFigureOut">
               <a:rPr lang="ru-RU" smtClean="0"/>
-              <a:t>13.02.2020</a:t>
+              <a:t>14.02.2020</a:t>
             </a:fld>
             <a:endParaRPr lang="ru-RU"/>
           </a:p>
@@ -1277,7 +1741,7 @@
           <a:p>
             <a:fld id="{C525F744-25B4-41E1-B505-DA663DD8A4A5}" type="datetimeFigureOut">
               <a:rPr lang="ru-RU" smtClean="0"/>
-              <a:t>13.02.2020</a:t>
+              <a:t>14.02.2020</a:t>
             </a:fld>
             <a:endParaRPr lang="ru-RU"/>
           </a:p>
@@ -1644,7 +2108,7 @@
           <a:p>
             <a:fld id="{C525F744-25B4-41E1-B505-DA663DD8A4A5}" type="datetimeFigureOut">
               <a:rPr lang="ru-RU" smtClean="0"/>
-              <a:t>13.02.2020</a:t>
+              <a:t>14.02.2020</a:t>
             </a:fld>
             <a:endParaRPr lang="ru-RU"/>
           </a:p>
@@ -1762,7 +2226,7 @@
           <a:p>
             <a:fld id="{C525F744-25B4-41E1-B505-DA663DD8A4A5}" type="datetimeFigureOut">
               <a:rPr lang="ru-RU" smtClean="0"/>
-              <a:t>13.02.2020</a:t>
+              <a:t>14.02.2020</a:t>
             </a:fld>
             <a:endParaRPr lang="ru-RU"/>
           </a:p>
@@ -1857,7 +2321,7 @@
           <a:p>
             <a:fld id="{C525F744-25B4-41E1-B505-DA663DD8A4A5}" type="datetimeFigureOut">
               <a:rPr lang="ru-RU" smtClean="0"/>
-              <a:t>13.02.2020</a:t>
+              <a:t>14.02.2020</a:t>
             </a:fld>
             <a:endParaRPr lang="ru-RU"/>
           </a:p>
@@ -2134,7 +2598,7 @@
           <a:p>
             <a:fld id="{C525F744-25B4-41E1-B505-DA663DD8A4A5}" type="datetimeFigureOut">
               <a:rPr lang="ru-RU" smtClean="0"/>
-              <a:t>13.02.2020</a:t>
+              <a:t>14.02.2020</a:t>
             </a:fld>
             <a:endParaRPr lang="ru-RU"/>
           </a:p>
@@ -2387,7 +2851,7 @@
           <a:p>
             <a:fld id="{C525F744-25B4-41E1-B505-DA663DD8A4A5}" type="datetimeFigureOut">
               <a:rPr lang="ru-RU" smtClean="0"/>
-              <a:t>13.02.2020</a:t>
+              <a:t>14.02.2020</a:t>
             </a:fld>
             <a:endParaRPr lang="ru-RU"/>
           </a:p>
@@ -2600,7 +3064,7 @@
           <a:p>
             <a:fld id="{C525F744-25B4-41E1-B505-DA663DD8A4A5}" type="datetimeFigureOut">
               <a:rPr lang="ru-RU" smtClean="0"/>
-              <a:t>13.02.2020</a:t>
+              <a:t>14.02.2020</a:t>
             </a:fld>
             <a:endParaRPr lang="ru-RU"/>
           </a:p>
@@ -3017,54 +3481,19 @@
         </p:nvSpPr>
         <p:spPr>
           <a:xfrm>
-            <a:off x="1079861" y="1200739"/>
+            <a:off x="1079861" y="887230"/>
             <a:ext cx="9823269" cy="3231923"/>
           </a:xfrm>
         </p:spPr>
         <p:txBody>
           <a:bodyPr>
-            <a:normAutofit fontScale="90000"/>
+            <a:normAutofit/>
           </a:bodyPr>
           <a:lstStyle/>
           <a:p>
             <a:r>
-              <a:rPr lang="ru-RU" dirty="0" err="1" smtClean="0"/>
-              <a:t>Здарова</a:t>
-            </a:r>
-            <a:r>
-              <a:rPr lang="ru-RU" dirty="0" smtClean="0"/>
-              <a:t>, щеглы. Сегодня мы сами, своими руками будем </a:t>
-            </a:r>
-            <a:r>
-              <a:rPr lang="ru-RU" dirty="0" smtClean="0"/>
-              <a:t>учиться </a:t>
-            </a:r>
-            <a:r>
-              <a:rPr lang="ru-RU" dirty="0" smtClean="0"/>
-              <a:t>писать </a:t>
-            </a:r>
-            <a:r>
-              <a:rPr lang="ru-RU" dirty="0" err="1" smtClean="0"/>
-              <a:t>регулярки</a:t>
-            </a:r>
-            <a:r>
-              <a:rPr lang="ru-RU" dirty="0" smtClean="0"/>
-              <a:t>. </a:t>
-            </a:r>
-            <a:br>
-              <a:rPr lang="ru-RU" dirty="0" smtClean="0"/>
-            </a:br>
-            <a:r>
-              <a:rPr lang="ru-RU" dirty="0" smtClean="0"/>
-              <a:t>© </a:t>
-            </a:r>
-            <a:r>
-              <a:rPr lang="ru-RU" dirty="0"/>
-              <a:t>В</a:t>
-            </a:r>
-            <a:r>
-              <a:rPr lang="ru-RU" dirty="0" smtClean="0"/>
-              <a:t>олодя Ржавый</a:t>
+              <a:rPr lang="ru-RU" dirty="0" smtClean="0"/>
+              <a:t>Немного о регулярных выражениях.</a:t>
             </a:r>
             <a:endParaRPr lang="ru-RU" dirty="0"/>
           </a:p>
@@ -3248,6 +3677,13 @@
   <p:clrMapOvr>
     <a:masterClrMapping/>
   </p:clrMapOvr>
+  <p:timing>
+    <p:tnLst>
+      <p:par>
+        <p:cTn id="1" dur="indefinite" restart="never" nodeType="tmRoot"/>
+      </p:par>
+    </p:tnLst>
+  </p:timing>
 </p:sld>
 </file>
 
@@ -3311,13 +3747,11 @@
       </p:sp>
       <p:pic>
         <p:nvPicPr>
-          <p:cNvPr id="7" name="Объект 6"/>
+          <p:cNvPr id="3" name="Рисунок 2"/>
           <p:cNvPicPr>
-            <a:picLocks noGrp="1" noChangeAspect="1"/>
+            <a:picLocks noChangeAspect="1"/>
           </p:cNvPicPr>
-          <p:nvPr>
-            <p:ph idx="1"/>
-          </p:nvPr>
+          <p:nvPr/>
         </p:nvPicPr>
         <p:blipFill>
           <a:blip r:embed="rId2"/>
@@ -3327,8 +3761,8 @@
         </p:blipFill>
         <p:spPr>
           <a:xfrm>
-            <a:off x="838200" y="2006799"/>
-            <a:ext cx="10515600" cy="3988990"/>
+            <a:off x="698863" y="2082709"/>
+            <a:ext cx="10515600" cy="3981450"/>
           </a:xfrm>
           <a:prstGeom prst="rect">
             <a:avLst/>
@@ -3345,6 +3779,13 @@
   <p:clrMapOvr>
     <a:masterClrMapping/>
   </p:clrMapOvr>
+  <p:timing>
+    <p:tnLst>
+      <p:par>
+        <p:cTn id="1" dur="indefinite" restart="never" nodeType="tmRoot"/>
+      </p:par>
+    </p:tnLst>
+  </p:timing>
 </p:sld>
 </file>
 
@@ -3365,15 +3806,52 @@
           <a:chExt cx="0" cy="0"/>
         </a:xfrm>
       </p:grpSpPr>
+      <p:sp>
+        <p:nvSpPr>
+          <p:cNvPr id="2" name="Заголовок 1"/>
+          <p:cNvSpPr>
+            <a:spLocks noGrp="1"/>
+          </p:cNvSpPr>
+          <p:nvPr>
+            <p:ph type="title"/>
+          </p:nvPr>
+        </p:nvSpPr>
+        <p:spPr/>
+        <p:txBody>
+          <a:bodyPr/>
+          <a:lstStyle/>
+          <a:p>
+            <a:r>
+              <a:rPr lang="ru-RU" dirty="0" smtClean="0"/>
+              <a:t>Двигаем фишку, выбирая очередную букву из строки… «</a:t>
+            </a:r>
+            <a:r>
+              <a:rPr lang="en-US" dirty="0" err="1" smtClean="0">
+                <a:solidFill>
+                  <a:schemeClr val="accent2"/>
+                </a:solidFill>
+              </a:rPr>
+              <a:t>a</a:t>
+            </a:r>
+            <a:r>
+              <a:rPr lang="en-US" dirty="0" err="1" smtClean="0"/>
+              <a:t>bbbc</a:t>
+            </a:r>
+            <a:r>
+              <a:rPr lang="ru-RU" dirty="0" smtClean="0"/>
+              <a:t>»</a:t>
+            </a:r>
+            <a:endParaRPr lang="ru-RU" dirty="0"/>
+          </a:p>
+        </p:txBody>
+      </p:sp>
       <p:pic>
         <p:nvPicPr>
-          <p:cNvPr id="4" name="Объект 3"/>
+          <p:cNvPr id="5" name="Рисунок 4"/>
           <p:cNvPicPr>
-            <a:picLocks noGrp="1" noChangeAspect="1"/>
+            <a:picLocks noChangeAspect="1"/>
           </p:cNvPicPr>
-          <p:nvPr>
-            <p:ph idx="1"/>
-          </p:nvPr>
+          <p:nvPr/>
         </p:nvPicPr>
         <p:blipFill>
           <a:blip r:embed="rId2"/>
@@ -3383,61 +3861,14 @@
         </p:blipFill>
         <p:spPr>
           <a:xfrm>
-            <a:off x="655320" y="1370350"/>
-            <a:ext cx="10515600" cy="4182023"/>
+            <a:off x="742405" y="1956571"/>
+            <a:ext cx="10515600" cy="4181475"/>
           </a:xfrm>
           <a:prstGeom prst="rect">
             <a:avLst/>
           </a:prstGeom>
         </p:spPr>
       </p:pic>
-      <p:sp>
-        <p:nvSpPr>
-          <p:cNvPr id="2" name="Заголовок 1"/>
-          <p:cNvSpPr>
-            <a:spLocks noGrp="1"/>
-          </p:cNvSpPr>
-          <p:nvPr>
-            <p:ph type="title"/>
-          </p:nvPr>
-        </p:nvSpPr>
-        <p:spPr/>
-        <p:txBody>
-          <a:bodyPr/>
-          <a:lstStyle/>
-          <a:p>
-            <a:r>
-              <a:rPr lang="ru-RU" dirty="0" smtClean="0"/>
-              <a:t>Двигаем </a:t>
-            </a:r>
-            <a:r>
-              <a:rPr lang="ru-RU" dirty="0" smtClean="0"/>
-              <a:t>фишку, выбирая очередную букву из строки… </a:t>
-            </a:r>
-            <a:r>
-              <a:rPr lang="ru-RU" dirty="0" smtClean="0"/>
-              <a:t>«</a:t>
-            </a:r>
-            <a:r>
-              <a:rPr lang="en-US" dirty="0" err="1" smtClean="0">
-                <a:solidFill>
-                  <a:schemeClr val="accent2"/>
-                </a:solidFill>
-              </a:rPr>
-              <a:t>a</a:t>
-            </a:r>
-            <a:r>
-              <a:rPr lang="en-US" dirty="0" err="1" smtClean="0"/>
-              <a:t>bbbc</a:t>
-            </a:r>
-            <a:r>
-              <a:rPr lang="ru-RU" dirty="0" smtClean="0"/>
-              <a:t>»</a:t>
-            </a:r>
-            <a:endParaRPr lang="ru-RU" dirty="0"/>
-          </a:p>
-        </p:txBody>
-      </p:sp>
     </p:spTree>
     <p:extLst>
       <p:ext uri="{BB962C8B-B14F-4D97-AF65-F5344CB8AC3E}">
@@ -3448,6 +3879,13 @@
   <p:clrMapOvr>
     <a:masterClrMapping/>
   </p:clrMapOvr>
+  <p:timing>
+    <p:tnLst>
+      <p:par>
+        <p:cTn id="1" dur="indefinite" restart="never" nodeType="tmRoot"/>
+      </p:par>
+    </p:tnLst>
+  </p:timing>
 </p:sld>
 </file>
 
@@ -3511,9 +3949,47 @@
           </a:p>
         </p:txBody>
       </p:sp>
+      <p:sp>
+        <p:nvSpPr>
+          <p:cNvPr id="5" name="TextBox 4"/>
+          <p:cNvSpPr txBox="1"/>
+          <p:nvPr/>
+        </p:nvSpPr>
+        <p:spPr>
+          <a:xfrm>
+            <a:off x="838200" y="5586933"/>
+            <a:ext cx="8403771" cy="461665"/>
+          </a:xfrm>
+          <a:prstGeom prst="rect">
+            <a:avLst/>
+          </a:prstGeom>
+          <a:noFill/>
+        </p:spPr>
+        <p:txBody>
+          <a:bodyPr wrap="square" rtlCol="0">
+            <a:spAutoFit/>
+          </a:bodyPr>
+          <a:lstStyle/>
+          <a:p>
+            <a:r>
+              <a:rPr lang="ru-RU" sz="2400" dirty="0"/>
+              <a:t>В</a:t>
+            </a:r>
+            <a:r>
+              <a:rPr lang="ru-RU" sz="2400" dirty="0" smtClean="0"/>
+              <a:t>опрос</a:t>
+            </a:r>
+            <a:r>
+              <a:rPr lang="ru-RU" sz="2400" dirty="0" smtClean="0"/>
+              <a:t>: что произойдёт дальше?</a:t>
+            </a:r>
+            <a:endParaRPr lang="ru-RU" sz="2400" dirty="0"/>
+          </a:p>
+        </p:txBody>
+      </p:sp>
       <p:pic>
         <p:nvPicPr>
-          <p:cNvPr id="4" name="Объект 3"/>
+          <p:cNvPr id="6" name="Объект 5"/>
           <p:cNvPicPr>
             <a:picLocks noGrp="1" noChangeAspect="1"/>
           </p:cNvPicPr>
@@ -3529,44 +4005,14 @@
         </p:blipFill>
         <p:spPr>
           <a:xfrm>
-            <a:off x="838200" y="1230742"/>
-            <a:ext cx="10372725" cy="3990975"/>
+            <a:off x="742406" y="1405458"/>
+            <a:ext cx="10515600" cy="4181475"/>
           </a:xfrm>
           <a:prstGeom prst="rect">
             <a:avLst/>
           </a:prstGeom>
         </p:spPr>
       </p:pic>
-      <p:sp>
-        <p:nvSpPr>
-          <p:cNvPr id="5" name="TextBox 4"/>
-          <p:cNvSpPr txBox="1"/>
-          <p:nvPr/>
-        </p:nvSpPr>
-        <p:spPr>
-          <a:xfrm>
-            <a:off x="838200" y="5439431"/>
-            <a:ext cx="8403771" cy="461665"/>
-          </a:xfrm>
-          <a:prstGeom prst="rect">
-            <a:avLst/>
-          </a:prstGeom>
-          <a:noFill/>
-        </p:spPr>
-        <p:txBody>
-          <a:bodyPr wrap="square" rtlCol="0">
-            <a:spAutoFit/>
-          </a:bodyPr>
-          <a:lstStyle/>
-          <a:p>
-            <a:r>
-              <a:rPr lang="ru-RU" sz="2400" dirty="0" smtClean="0"/>
-              <a:t>Внимание, вопрос: что произойдёт дальше?</a:t>
-            </a:r>
-            <a:endParaRPr lang="ru-RU" sz="2400" dirty="0"/>
-          </a:p>
-        </p:txBody>
-      </p:sp>
     </p:spTree>
     <p:extLst>
       <p:ext uri="{BB962C8B-B14F-4D97-AF65-F5344CB8AC3E}">
@@ -3577,6 +4023,13 @@
   <p:clrMapOvr>
     <a:masterClrMapping/>
   </p:clrMapOvr>
+  <p:timing>
+    <p:tnLst>
+      <p:par>
+        <p:cTn id="1" dur="indefinite" restart="never" nodeType="tmRoot"/>
+      </p:par>
+    </p:tnLst>
+  </p:timing>
 </p:sld>
 </file>
 
@@ -3642,7 +4095,7 @@
       </p:sp>
       <p:pic>
         <p:nvPicPr>
-          <p:cNvPr id="4" name="Объект 3"/>
+          <p:cNvPr id="5" name="Объект 4"/>
           <p:cNvPicPr>
             <a:picLocks noGrp="1" noChangeAspect="1"/>
           </p:cNvPicPr>
@@ -3658,8 +4111,8 @@
         </p:blipFill>
         <p:spPr>
           <a:xfrm>
-            <a:off x="909637" y="2005806"/>
-            <a:ext cx="10372725" cy="3990975"/>
+            <a:off x="838200" y="1910556"/>
+            <a:ext cx="10515600" cy="4181475"/>
           </a:xfrm>
           <a:prstGeom prst="rect">
             <a:avLst/>
@@ -3676,6 +4129,13 @@
   <p:clrMapOvr>
     <a:masterClrMapping/>
   </p:clrMapOvr>
+  <p:timing>
+    <p:tnLst>
+      <p:par>
+        <p:cTn id="1" dur="indefinite" restart="never" nodeType="tmRoot"/>
+      </p:par>
+    </p:tnLst>
+  </p:timing>
 </p:sld>
 </file>
 
@@ -3741,7 +4201,7 @@
       </p:sp>
       <p:pic>
         <p:nvPicPr>
-          <p:cNvPr id="5" name="Объект 3"/>
+          <p:cNvPr id="4" name="Объект 3"/>
           <p:cNvPicPr>
             <a:picLocks noGrp="1" noChangeAspect="1"/>
           </p:cNvPicPr>
@@ -3757,8 +4217,8 @@
         </p:blipFill>
         <p:spPr>
           <a:xfrm>
-            <a:off x="909637" y="2005806"/>
-            <a:ext cx="10372725" cy="3990975"/>
+            <a:off x="838200" y="1910556"/>
+            <a:ext cx="10515600" cy="4181475"/>
           </a:xfrm>
           <a:prstGeom prst="rect">
             <a:avLst/>
@@ -3775,6 +4235,13 @@
   <p:clrMapOvr>
     <a:masterClrMapping/>
   </p:clrMapOvr>
+  <p:timing>
+    <p:tnLst>
+      <p:par>
+        <p:cTn id="1" dur="indefinite" restart="never" nodeType="tmRoot"/>
+      </p:par>
+    </p:tnLst>
+  </p:timing>
 </p:sld>
 </file>
 
@@ -3834,32 +4301,6 @@
           </a:p>
         </p:txBody>
       </p:sp>
-      <p:pic>
-        <p:nvPicPr>
-          <p:cNvPr id="4" name="Объект 3"/>
-          <p:cNvPicPr>
-            <a:picLocks noGrp="1" noChangeAspect="1"/>
-          </p:cNvPicPr>
-          <p:nvPr>
-            <p:ph idx="1"/>
-          </p:nvPr>
-        </p:nvPicPr>
-        <p:blipFill>
-          <a:blip r:embed="rId2"/>
-          <a:stretch>
-            <a:fillRect/>
-          </a:stretch>
-        </p:blipFill>
-        <p:spPr>
-          <a:xfrm>
-            <a:off x="838200" y="1483789"/>
-            <a:ext cx="10515600" cy="3833226"/>
-          </a:xfrm>
-          <a:prstGeom prst="rect">
-            <a:avLst/>
-          </a:prstGeom>
-        </p:spPr>
-      </p:pic>
       <p:sp>
         <p:nvSpPr>
           <p:cNvPr id="5" name="TextBox 4"/>
@@ -3890,6 +4331,32 @@
           </a:p>
         </p:txBody>
       </p:sp>
+      <p:pic>
+        <p:nvPicPr>
+          <p:cNvPr id="6" name="Объект 5"/>
+          <p:cNvPicPr>
+            <a:picLocks noGrp="1" noChangeAspect="1"/>
+          </p:cNvPicPr>
+          <p:nvPr>
+            <p:ph idx="1"/>
+          </p:nvPr>
+        </p:nvPicPr>
+        <p:blipFill>
+          <a:blip r:embed="rId2"/>
+          <a:stretch>
+            <a:fillRect/>
+          </a:stretch>
+        </p:blipFill>
+        <p:spPr>
+          <a:xfrm>
+            <a:off x="949234" y="1509963"/>
+            <a:ext cx="9315994" cy="3704458"/>
+          </a:xfrm>
+          <a:prstGeom prst="rect">
+            <a:avLst/>
+          </a:prstGeom>
+        </p:spPr>
+      </p:pic>
     </p:spTree>
     <p:extLst>
       <p:ext uri="{BB962C8B-B14F-4D97-AF65-F5344CB8AC3E}">
@@ -3900,6 +4367,13 @@
   <p:clrMapOvr>
     <a:masterClrMapping/>
   </p:clrMapOvr>
+  <p:timing>
+    <p:tnLst>
+      <p:par>
+        <p:cTn id="1" dur="indefinite" restart="never" nodeType="tmRoot"/>
+      </p:par>
+    </p:tnLst>
+  </p:timing>
 </p:sld>
 </file>
 
@@ -3975,15 +4449,19 @@
           <a:p>
             <a:r>
               <a:rPr lang="ru-RU" dirty="0" smtClean="0"/>
-              <a:t>Также стоит добавить </a:t>
-            </a:r>
-            <a:r>
-              <a:rPr lang="ru-RU" dirty="0" smtClean="0"/>
-              <a:t>ремарку, чтобы не было путаницы. </a:t>
-            </a:r>
-            <a:r>
-              <a:rPr lang="ru-RU" dirty="0" smtClean="0"/>
-              <a:t>Если рассматривать регулярные выражения в разрезе конечных автоматов или сетей </a:t>
+              <a:t>Также стоит добавить ремарку, чтобы не было путаницы. </a:t>
+            </a:r>
+            <a:r>
+              <a:rPr lang="ru-RU" dirty="0" smtClean="0"/>
+              <a:t>Когда в книгах/статьях рассматриваются</a:t>
+            </a:r>
+            <a:r>
+              <a:rPr lang="ru-RU" dirty="0" smtClean="0"/>
+              <a:t> </a:t>
+            </a:r>
+            <a:r>
+              <a:rPr lang="ru-RU" dirty="0" smtClean="0"/>
+              <a:t>регулярные выражения в разрезе конечных автоматов или сетей </a:t>
             </a:r>
             <a:r>
               <a:rPr lang="ru-RU" dirty="0"/>
@@ -3991,15 +4469,11 @@
             </a:r>
             <a:r>
               <a:rPr lang="ru-RU" dirty="0" smtClean="0"/>
-              <a:t>етри </a:t>
-            </a:r>
-            <a:r>
-              <a:rPr lang="ru-RU" dirty="0" smtClean="0"/>
-              <a:t>(коими по сути дела они и являются), каждая следующая буква </a:t>
-            </a:r>
-            <a:r>
-              <a:rPr lang="ru-RU" dirty="0" smtClean="0"/>
-              <a:t>обозначается термином «слово». </a:t>
+              <a:t>етри (коими по сути дела они и являются), каждая следующая буква обозначается термином </a:t>
+            </a:r>
+            <a:r>
+              <a:rPr lang="ru-RU" dirty="0" smtClean="0"/>
+              <a:t>«автоматное слово» или просто слово. </a:t>
             </a:r>
             <a:endParaRPr lang="ru-RU" dirty="0" smtClean="0"/>
           </a:p>
@@ -4018,6 +4492,13 @@
   <p:clrMapOvr>
     <a:masterClrMapping/>
   </p:clrMapOvr>
+  <p:timing>
+    <p:tnLst>
+      <p:par>
+        <p:cTn id="1" dur="indefinite" restart="never" nodeType="tmRoot"/>
+      </p:par>
+    </p:tnLst>
+  </p:timing>
 </p:sld>
 </file>
 
@@ -4189,6 +4670,13 @@
   <p:clrMapOvr>
     <a:masterClrMapping/>
   </p:clrMapOvr>
+  <p:timing>
+    <p:tnLst>
+      <p:par>
+        <p:cTn id="1" dur="indefinite" restart="never" nodeType="tmRoot"/>
+      </p:par>
+    </p:tnLst>
+  </p:timing>
 </p:sld>
 </file>
 
@@ -4948,19 +5436,7 @@
             </a:r>
             <a:r>
               <a:rPr lang="en-US" dirty="0" err="1" smtClean="0"/>
-              <a:t>abc</a:t>
-            </a:r>
-            <a:r>
-              <a:rPr lang="ru-RU" dirty="0" smtClean="0"/>
-              <a:t>)</a:t>
-            </a:r>
-            <a:r>
-              <a:rPr lang="en-US" dirty="0" smtClean="0"/>
-              <a:t>|(</a:t>
-            </a:r>
-            <a:r>
-              <a:rPr lang="en-US" dirty="0" err="1" smtClean="0"/>
-              <a:t>def</a:t>
+              <a:t>abc|def</a:t>
             </a:r>
             <a:r>
               <a:rPr lang="en-US" dirty="0" smtClean="0"/>
@@ -5307,11 +5783,7 @@
             </a:r>
             <a:r>
               <a:rPr lang="ru-RU" dirty="0" smtClean="0"/>
-              <a:t>замены символов</a:t>
-            </a:r>
-            <a:r>
-              <a:rPr lang="ru-RU" dirty="0" smtClean="0"/>
-              <a:t> и остальным, менее популярным операциям. </a:t>
+              <a:t>замены символов и остальным, менее популярным операциям. </a:t>
             </a:r>
             <a:r>
               <a:rPr lang="ru-RU" dirty="0"/>
@@ -5414,8 +5886,13 @@
             </a:pPr>
             <a:r>
               <a:rPr lang="ru-RU" dirty="0" smtClean="0"/>
-              <a:t>Содержит:</a:t>
-            </a:r>
+              <a:t>Может с</a:t>
+            </a:r>
+            <a:r>
+              <a:rPr lang="ru-RU" dirty="0" smtClean="0"/>
+              <a:t>одержать:</a:t>
+            </a:r>
+            <a:endParaRPr lang="ru-RU" dirty="0" smtClean="0"/>
           </a:p>
           <a:p>
             <a:r>
@@ -5659,8 +6136,8 @@
         </p:nvSpPr>
         <p:spPr>
           <a:xfrm>
-            <a:off x="534486" y="3709851"/>
-            <a:ext cx="11123025" cy="646331"/>
+            <a:off x="409304" y="3709851"/>
+            <a:ext cx="11248208" cy="646331"/>
           </a:xfrm>
           <a:prstGeom prst="rect">
             <a:avLst/>
@@ -5808,7 +6285,11 @@
           <a:p>
             <a:r>
               <a:rPr lang="ru-RU" dirty="0" smtClean="0"/>
-              <a:t>Внимание, вопросы: </a:t>
+              <a:t>Вопросы</a:t>
+            </a:r>
+            <a:r>
+              <a:rPr lang="ru-RU" dirty="0" smtClean="0"/>
+              <a:t>: </a:t>
             </a:r>
             <a:br>
               <a:rPr lang="ru-RU" dirty="0" smtClean="0"/>
@@ -5819,19 +6300,31 @@
             </a:r>
             <a:r>
               <a:rPr lang="en-US" dirty="0" smtClean="0"/>
-              <a:t>\\. </a:t>
+              <a:t>\\.</a:t>
+            </a:r>
+            <a:r>
+              <a:rPr lang="ru-RU" dirty="0" smtClean="0"/>
+              <a:t> В определённых местах</a:t>
+            </a:r>
+            <a:r>
+              <a:rPr lang="en-US" dirty="0" smtClean="0"/>
+              <a:t> </a:t>
             </a:r>
             <a:r>
               <a:rPr lang="ru-RU" dirty="0" smtClean="0"/>
               <a:t>выделены в </a:t>
             </a:r>
             <a:r>
-              <a:rPr lang="en-US" dirty="0" smtClean="0"/>
-              <a:t>IDE</a:t>
-            </a:r>
-            <a:r>
-              <a:rPr lang="ru-RU" dirty="0" smtClean="0"/>
-              <a:t> оранжевым цветом?</a:t>
+              <a:rPr lang="ru-RU" dirty="0" smtClean="0"/>
+              <a:t>редакторе</a:t>
+            </a:r>
+            <a:r>
+              <a:rPr lang="ru-RU" dirty="0" smtClean="0"/>
+              <a:t> </a:t>
+            </a:r>
+            <a:r>
+              <a:rPr lang="ru-RU" dirty="0" smtClean="0"/>
+              <a:t>оранжевым цветом?</a:t>
             </a:r>
             <a:br>
               <a:rPr lang="ru-RU" dirty="0" smtClean="0"/>
@@ -5845,7 +6338,23 @@
             </a:br>
             <a:r>
               <a:rPr lang="ru-RU" dirty="0" smtClean="0"/>
-              <a:t>2. Сколько вообще ставить букв на область </a:t>
+              <a:t>2. Сколько </a:t>
+            </a:r>
+            <a:r>
+              <a:rPr lang="ru-RU" dirty="0" smtClean="0"/>
+              <a:t>можно </a:t>
+            </a:r>
+            <a:r>
+              <a:rPr lang="ru-RU" dirty="0" smtClean="0"/>
+              <a:t>ставить </a:t>
+            </a:r>
+            <a:r>
+              <a:rPr lang="ru-RU" dirty="0" smtClean="0"/>
+              <a:t>символов в </a:t>
+            </a:r>
+            <a:r>
+              <a:rPr lang="ru-RU" dirty="0" smtClean="0"/>
+              <a:t>область </a:t>
             </a:r>
             <a:r>
               <a:rPr lang="en-US" dirty="0" smtClean="0"/>
@@ -6188,7 +6697,15 @@
           <a:p>
             <a:r>
               <a:rPr lang="ru-RU" dirty="0" smtClean="0"/>
-              <a:t>Но это ещё не всё. В плане использования регулярные выражения достаточно часто лучше скомпилировать, а потом применять.</a:t>
+              <a:t>Но это ещё не всё. В плане использования регулярные выражения </a:t>
+            </a:r>
+            <a:r>
+              <a:rPr lang="ru-RU" dirty="0" smtClean="0"/>
+              <a:t>часто </a:t>
+            </a:r>
+            <a:r>
+              <a:rPr lang="ru-RU" dirty="0" smtClean="0"/>
+              <a:t>лучше скомпилировать, а потом применять.</a:t>
             </a:r>
             <a:br>
               <a:rPr lang="ru-RU" dirty="0" smtClean="0"/>
@@ -6339,7 +6856,11 @@
           <a:p>
             <a:r>
               <a:rPr lang="ru-RU" dirty="0" smtClean="0"/>
-              <a:t>Внимание, вопрос для начинающих </a:t>
+              <a:t>Вопрос </a:t>
+            </a:r>
+            <a:r>
+              <a:rPr lang="ru-RU" dirty="0" smtClean="0"/>
+              <a:t>для начинающих </a:t>
             </a:r>
             <a:r>
               <a:rPr lang="en-US" dirty="0" smtClean="0"/>
@@ -6691,6 +7212,298 @@
 </p:sld>
 </file>
 
+<file path=ppt/slides/slide38.xml><?xml version="1.0" encoding="utf-8"?>
+<p:sld xmlns:a="http://schemas.openxmlformats.org/drawingml/2006/main" xmlns:r="http://schemas.openxmlformats.org/officeDocument/2006/relationships" xmlns:p="http://schemas.openxmlformats.org/presentationml/2006/main">
+  <p:cSld>
+    <p:spTree>
+      <p:nvGrpSpPr>
+        <p:cNvPr id="1" name=""/>
+        <p:cNvGrpSpPr/>
+        <p:nvPr/>
+      </p:nvGrpSpPr>
+      <p:grpSpPr>
+        <a:xfrm>
+          <a:off x="0" y="0"/>
+          <a:ext cx="0" cy="0"/>
+          <a:chOff x="0" y="0"/>
+          <a:chExt cx="0" cy="0"/>
+        </a:xfrm>
+      </p:grpSpPr>
+      <p:sp>
+        <p:nvSpPr>
+          <p:cNvPr id="2" name="Заголовок 1"/>
+          <p:cNvSpPr>
+            <a:spLocks noGrp="1"/>
+          </p:cNvSpPr>
+          <p:nvPr>
+            <p:ph type="title"/>
+          </p:nvPr>
+        </p:nvSpPr>
+        <p:spPr/>
+        <p:txBody>
+          <a:bodyPr/>
+          <a:lstStyle/>
+          <a:p>
+            <a:r>
+              <a:rPr lang="ru-RU" dirty="0" smtClean="0"/>
+              <a:t>Кого заинтересовали сети Петри:</a:t>
+            </a:r>
+            <a:endParaRPr lang="ru-RU" dirty="0"/>
+          </a:p>
+        </p:txBody>
+      </p:sp>
+      <p:sp>
+        <p:nvSpPr>
+          <p:cNvPr id="3" name="Объект 2"/>
+          <p:cNvSpPr>
+            <a:spLocks noGrp="1"/>
+          </p:cNvSpPr>
+          <p:nvPr>
+            <p:ph idx="1"/>
+          </p:nvPr>
+        </p:nvSpPr>
+        <p:spPr>
+          <a:xfrm>
+            <a:off x="838200" y="1341120"/>
+            <a:ext cx="10613572" cy="5164183"/>
+          </a:xfrm>
+        </p:spPr>
+        <p:txBody>
+          <a:bodyPr>
+            <a:normAutofit/>
+          </a:bodyPr>
+          <a:lstStyle/>
+          <a:p>
+            <a:r>
+              <a:rPr lang="ru-RU" dirty="0"/>
+              <a:t> Моделирование параллельных процессов. Сети </a:t>
+            </a:r>
+            <a:r>
+              <a:rPr lang="ru-RU" dirty="0" smtClean="0"/>
+              <a:t>Петри. В</a:t>
+            </a:r>
+            <a:r>
+              <a:rPr lang="ru-RU" dirty="0"/>
+              <a:t>. Б. </a:t>
+            </a:r>
+            <a:r>
+              <a:rPr lang="ru-RU" dirty="0" err="1"/>
+              <a:t>Мараховский</a:t>
+            </a:r>
+            <a:r>
+              <a:rPr lang="ru-RU" dirty="0"/>
+              <a:t>, Л. Я. </a:t>
+            </a:r>
+            <a:r>
+              <a:rPr lang="ru-RU" dirty="0" err="1"/>
+              <a:t>Розенблюм</a:t>
+            </a:r>
+            <a:r>
+              <a:rPr lang="ru-RU" dirty="0"/>
+              <a:t>, А. В. </a:t>
+            </a:r>
+            <a:r>
+              <a:rPr lang="ru-RU" dirty="0" smtClean="0"/>
+              <a:t>Яковлев. Издательство «Профессиональная литература», Санкт-Петербург 2014. </a:t>
+            </a:r>
+            <a:r>
+              <a:rPr lang="ru-RU" dirty="0"/>
+              <a:t>Е</a:t>
+            </a:r>
+            <a:r>
+              <a:rPr lang="ru-RU" dirty="0" smtClean="0"/>
+              <a:t>сть в </a:t>
+            </a:r>
+            <a:r>
+              <a:rPr lang="ru-RU" dirty="0" err="1" smtClean="0"/>
+              <a:t>интернетах</a:t>
+            </a:r>
+            <a:r>
+              <a:rPr lang="ru-RU" dirty="0" smtClean="0"/>
+              <a:t> в свободном доступе</a:t>
+            </a:r>
+            <a:r>
+              <a:rPr lang="en-US" dirty="0" smtClean="0"/>
+              <a:t> (</a:t>
+            </a:r>
+            <a:r>
+              <a:rPr lang="ru-RU" dirty="0" smtClean="0"/>
+              <a:t>к примеру на </a:t>
+            </a:r>
+            <a:r>
+              <a:rPr lang="en-US" dirty="0" err="1" smtClean="0"/>
+              <a:t>zlibrary</a:t>
+            </a:r>
+            <a:r>
+              <a:rPr lang="en-US" dirty="0" smtClean="0"/>
+              <a:t>)</a:t>
+            </a:r>
+            <a:r>
+              <a:rPr lang="ru-RU" dirty="0" smtClean="0"/>
+              <a:t>.</a:t>
+            </a:r>
+          </a:p>
+          <a:p>
+            <a:r>
+              <a:rPr lang="ru-RU" dirty="0" smtClean="0"/>
+              <a:t>И задание из этой же книги (то, что мы делали в примерах, только наоборот).</a:t>
+            </a:r>
+          </a:p>
+          <a:p>
+            <a:endParaRPr lang="ru-RU" dirty="0" smtClean="0"/>
+          </a:p>
+          <a:p>
+            <a:endParaRPr lang="ru-RU" dirty="0"/>
+          </a:p>
+        </p:txBody>
+      </p:sp>
+      <p:pic>
+        <p:nvPicPr>
+          <p:cNvPr id="4" name="Рисунок 3"/>
+          <p:cNvPicPr>
+            <a:picLocks noChangeAspect="1"/>
+          </p:cNvPicPr>
+          <p:nvPr/>
+        </p:nvPicPr>
+        <p:blipFill>
+          <a:blip r:embed="rId3"/>
+          <a:stretch>
+            <a:fillRect/>
+          </a:stretch>
+        </p:blipFill>
+        <p:spPr>
+          <a:xfrm>
+            <a:off x="2882036" y="3483429"/>
+            <a:ext cx="7659688" cy="3187338"/>
+          </a:xfrm>
+          <a:prstGeom prst="rect">
+            <a:avLst/>
+          </a:prstGeom>
+        </p:spPr>
+      </p:pic>
+    </p:spTree>
+    <p:extLst>
+      <p:ext uri="{BB962C8B-B14F-4D97-AF65-F5344CB8AC3E}">
+        <p14:creationId xmlns:p14="http://schemas.microsoft.com/office/powerpoint/2010/main" val="2334409230"/>
+      </p:ext>
+    </p:extLst>
+  </p:cSld>
+  <p:clrMapOvr>
+    <a:masterClrMapping/>
+  </p:clrMapOvr>
+</p:sld>
+</file>
+
+<file path=ppt/slides/slide39.xml><?xml version="1.0" encoding="utf-8"?>
+<p:sld xmlns:a="http://schemas.openxmlformats.org/drawingml/2006/main" xmlns:r="http://schemas.openxmlformats.org/officeDocument/2006/relationships" xmlns:p="http://schemas.openxmlformats.org/presentationml/2006/main">
+  <p:cSld>
+    <p:spTree>
+      <p:nvGrpSpPr>
+        <p:cNvPr id="1" name=""/>
+        <p:cNvGrpSpPr/>
+        <p:nvPr/>
+      </p:nvGrpSpPr>
+      <p:grpSpPr>
+        <a:xfrm>
+          <a:off x="0" y="0"/>
+          <a:ext cx="0" cy="0"/>
+          <a:chOff x="0" y="0"/>
+          <a:chExt cx="0" cy="0"/>
+        </a:xfrm>
+      </p:grpSpPr>
+      <p:sp>
+        <p:nvSpPr>
+          <p:cNvPr id="2" name="Заголовок 1"/>
+          <p:cNvSpPr>
+            <a:spLocks noGrp="1"/>
+          </p:cNvSpPr>
+          <p:nvPr>
+            <p:ph type="title"/>
+          </p:nvPr>
+        </p:nvSpPr>
+        <p:spPr/>
+        <p:txBody>
+          <a:bodyPr>
+            <a:normAutofit fontScale="90000"/>
+          </a:bodyPr>
+          <a:lstStyle/>
+          <a:p>
+            <a:r>
+              <a:rPr lang="ru-RU" dirty="0"/>
+              <a:t>Для более удобной отладки есть онлайн сервисы. (не забудьте </a:t>
+            </a:r>
+            <a:r>
+              <a:rPr lang="ru-RU" dirty="0" err="1"/>
+              <a:t>заэкранировать</a:t>
+            </a:r>
+            <a:r>
+              <a:rPr lang="ru-RU" dirty="0"/>
+              <a:t>, когда будете </a:t>
+            </a:r>
+            <a:r>
+              <a:rPr lang="ru-RU" dirty="0" err="1"/>
+              <a:t>копипастить</a:t>
+            </a:r>
+            <a:r>
+              <a:rPr lang="ru-RU" dirty="0"/>
+              <a:t>)</a:t>
+            </a:r>
+          </a:p>
+        </p:txBody>
+      </p:sp>
+      <p:sp>
+        <p:nvSpPr>
+          <p:cNvPr id="3" name="Объект 2"/>
+          <p:cNvSpPr>
+            <a:spLocks noGrp="1"/>
+          </p:cNvSpPr>
+          <p:nvPr>
+            <p:ph idx="1"/>
+          </p:nvPr>
+        </p:nvSpPr>
+        <p:spPr>
+          <a:xfrm>
+            <a:off x="838200" y="2243637"/>
+            <a:ext cx="10515600" cy="4351338"/>
+          </a:xfrm>
+        </p:spPr>
+        <p:txBody>
+          <a:bodyPr/>
+          <a:lstStyle/>
+          <a:p>
+            <a:r>
+              <a:rPr lang="en-US" dirty="0">
+                <a:hlinkClick r:id="rId2"/>
+              </a:rPr>
+              <a:t>https://regex101.com</a:t>
+            </a:r>
+            <a:r>
+              <a:rPr lang="en-US" dirty="0" smtClean="0">
+                <a:hlinkClick r:id="rId2"/>
+              </a:rPr>
+              <a:t>/</a:t>
+            </a:r>
+            <a:r>
+              <a:rPr lang="ru-RU" dirty="0" smtClean="0"/>
+              <a:t> </a:t>
+            </a:r>
+            <a:endParaRPr lang="ru-RU" dirty="0"/>
+          </a:p>
+        </p:txBody>
+      </p:sp>
+    </p:spTree>
+    <p:extLst>
+      <p:ext uri="{BB962C8B-B14F-4D97-AF65-F5344CB8AC3E}">
+        <p14:creationId xmlns:p14="http://schemas.microsoft.com/office/powerpoint/2010/main" val="22219574"/>
+      </p:ext>
+    </p:extLst>
+  </p:cSld>
+  <p:clrMapOvr>
+    <a:masterClrMapping/>
+  </p:clrMapOvr>
+</p:sld>
+</file>
+
 <file path=ppt/slides/slide4.xml><?xml version="1.0" encoding="utf-8"?>
 <p:sld xmlns:a="http://schemas.openxmlformats.org/drawingml/2006/main" xmlns:r="http://schemas.openxmlformats.org/officeDocument/2006/relationships" xmlns:p="http://schemas.openxmlformats.org/presentationml/2006/main">
   <p:cSld>
@@ -6800,6 +7613,64 @@
 </p:sld>
 </file>
 
+<file path=ppt/slides/slide40.xml><?xml version="1.0" encoding="utf-8"?>
+<p:sld xmlns:a="http://schemas.openxmlformats.org/drawingml/2006/main" xmlns:r="http://schemas.openxmlformats.org/officeDocument/2006/relationships" xmlns:p="http://schemas.openxmlformats.org/presentationml/2006/main">
+  <p:cSld>
+    <p:spTree>
+      <p:nvGrpSpPr>
+        <p:cNvPr id="1" name=""/>
+        <p:cNvGrpSpPr/>
+        <p:nvPr/>
+      </p:nvGrpSpPr>
+      <p:grpSpPr>
+        <a:xfrm>
+          <a:off x="0" y="0"/>
+          <a:ext cx="0" cy="0"/>
+          <a:chOff x="0" y="0"/>
+          <a:chExt cx="0" cy="0"/>
+        </a:xfrm>
+      </p:grpSpPr>
+      <p:sp>
+        <p:nvSpPr>
+          <p:cNvPr id="2" name="Заголовок 1"/>
+          <p:cNvSpPr>
+            <a:spLocks noGrp="1"/>
+          </p:cNvSpPr>
+          <p:nvPr>
+            <p:ph type="title"/>
+          </p:nvPr>
+        </p:nvSpPr>
+        <p:spPr>
+          <a:xfrm>
+            <a:off x="1778725" y="2193925"/>
+            <a:ext cx="10515600" cy="1325563"/>
+          </a:xfrm>
+        </p:spPr>
+        <p:txBody>
+          <a:bodyPr/>
+          <a:lstStyle/>
+          <a:p>
+            <a:r>
+              <a:rPr lang="ru-RU" dirty="0" smtClean="0"/>
+              <a:t>Спасибо за внимание</a:t>
+            </a:r>
+            <a:endParaRPr lang="ru-RU" dirty="0"/>
+          </a:p>
+        </p:txBody>
+      </p:sp>
+    </p:spTree>
+    <p:extLst>
+      <p:ext uri="{BB962C8B-B14F-4D97-AF65-F5344CB8AC3E}">
+        <p14:creationId xmlns:p14="http://schemas.microsoft.com/office/powerpoint/2010/main" val="2605797552"/>
+      </p:ext>
+    </p:extLst>
+  </p:cSld>
+  <p:clrMapOvr>
+    <a:masterClrMapping/>
+  </p:clrMapOvr>
+</p:sld>
+</file>
+
 <file path=ppt/slides/slide5.xml><?xml version="1.0" encoding="utf-8"?>
 <p:sld xmlns:a="http://schemas.openxmlformats.org/drawingml/2006/main" xmlns:r="http://schemas.openxmlformats.org/officeDocument/2006/relationships" xmlns:p="http://schemas.openxmlformats.org/presentationml/2006/main">
   <p:cSld>
@@ -6875,30 +7746,6 @@
           </a:p>
         </p:txBody>
       </p:sp>
-      <p:pic>
-        <p:nvPicPr>
-          <p:cNvPr id="4" name="Рисунок 3"/>
-          <p:cNvPicPr>
-            <a:picLocks noChangeAspect="1"/>
-          </p:cNvPicPr>
-          <p:nvPr/>
-        </p:nvPicPr>
-        <p:blipFill>
-          <a:blip r:embed="rId2"/>
-          <a:stretch>
-            <a:fillRect/>
-          </a:stretch>
-        </p:blipFill>
-        <p:spPr>
-          <a:xfrm>
-            <a:off x="875562" y="2719132"/>
-            <a:ext cx="1266825" cy="1190625"/>
-          </a:xfrm>
-          <a:prstGeom prst="rect">
-            <a:avLst/>
-          </a:prstGeom>
-        </p:spPr>
-      </p:pic>
       <p:sp>
         <p:nvSpPr>
           <p:cNvPr id="5" name="TextBox 4"/>
@@ -6907,7 +7754,7 @@
         </p:nvSpPr>
         <p:spPr>
           <a:xfrm>
-            <a:off x="2105025" y="2838996"/>
+            <a:off x="2542135" y="2843283"/>
             <a:ext cx="4146997" cy="769441"/>
           </a:xfrm>
           <a:prstGeom prst="rect">
@@ -6923,7 +7770,15 @@
           <a:p>
             <a:r>
               <a:rPr lang="ru-RU" sz="4400" dirty="0" smtClean="0"/>
-              <a:t>- позиция</a:t>
+              <a:t>- </a:t>
+            </a:r>
+            <a:r>
+              <a:rPr lang="ru-RU" sz="4400" dirty="0" smtClean="0"/>
+              <a:t>позиция</a:t>
+            </a:r>
+            <a:r>
+              <a:rPr lang="en-US" sz="4400" dirty="0" smtClean="0"/>
+              <a:t>.</a:t>
             </a:r>
             <a:endParaRPr lang="ru-RU" sz="4400" dirty="0"/>
           </a:p>
@@ -6938,7 +7793,7 @@
           <p:nvPr/>
         </p:nvPicPr>
         <p:blipFill>
-          <a:blip r:embed="rId3"/>
+          <a:blip r:embed="rId2"/>
           <a:stretch>
             <a:fillRect/>
           </a:stretch>
@@ -6989,7 +7844,15 @@
             </a:r>
             <a:r>
               <a:rPr lang="ru-RU" sz="3200" dirty="0" smtClean="0"/>
-              <a:t> (для нас - буквой), которое его активирует</a:t>
+              <a:t> (для нас - буквой), которое его </a:t>
+            </a:r>
+            <a:r>
+              <a:rPr lang="ru-RU" sz="3200" dirty="0" smtClean="0"/>
+              <a:t>активирует</a:t>
+            </a:r>
+            <a:r>
+              <a:rPr lang="en-US" sz="3200" dirty="0" smtClean="0"/>
+              <a:t>.</a:t>
             </a:r>
             <a:endParaRPr lang="ru-RU" sz="1600" dirty="0"/>
           </a:p>
@@ -7004,7 +7867,7 @@
           <p:nvPr/>
         </p:nvPicPr>
         <p:blipFill>
-          <a:blip r:embed="rId4"/>
+          <a:blip r:embed="rId3"/>
           <a:stretch>
             <a:fillRect/>
           </a:stretch>
@@ -7043,7 +7906,19 @@
           <a:p>
             <a:r>
               <a:rPr lang="ru-RU" sz="2800" dirty="0" smtClean="0"/>
-              <a:t>- Фишка (штука, которая показывает текущее положение в шаблоне, с которым сравниваем)</a:t>
+              <a:t>- Фишка (штука, которая показывает текущее положение в шаблоне, с которым сравниваем</a:t>
+            </a:r>
+            <a:r>
+              <a:rPr lang="ru-RU" sz="2800" dirty="0" smtClean="0"/>
+              <a:t>)</a:t>
+            </a:r>
+            <a:r>
+              <a:rPr lang="en-US" sz="2800" dirty="0" smtClean="0"/>
+              <a:t>. </a:t>
+            </a:r>
+            <a:r>
+              <a:rPr lang="ru-RU" sz="2800" dirty="0" smtClean="0"/>
+              <a:t>Их может быть больше 1.</a:t>
             </a:r>
             <a:endParaRPr lang="ru-RU" sz="2400" dirty="0"/>
           </a:p>
@@ -7058,7 +7933,7 @@
           <p:nvPr/>
         </p:nvPicPr>
         <p:blipFill>
-          <a:blip r:embed="rId5"/>
+          <a:blip r:embed="rId4"/>
           <a:stretch>
             <a:fillRect/>
           </a:stretch>
@@ -7103,6 +7978,30 @@
           </a:p>
         </p:txBody>
       </p:sp>
+      <p:pic>
+        <p:nvPicPr>
+          <p:cNvPr id="6" name="Рисунок 5"/>
+          <p:cNvPicPr>
+            <a:picLocks noChangeAspect="1"/>
+          </p:cNvPicPr>
+          <p:nvPr/>
+        </p:nvPicPr>
+        <p:blipFill>
+          <a:blip r:embed="rId5"/>
+          <a:stretch>
+            <a:fillRect/>
+          </a:stretch>
+        </p:blipFill>
+        <p:spPr>
+          <a:xfrm>
+            <a:off x="738188" y="2709958"/>
+            <a:ext cx="1666875" cy="1285875"/>
+          </a:xfrm>
+          <a:prstGeom prst="rect">
+            <a:avLst/>
+          </a:prstGeom>
+        </p:spPr>
+      </p:pic>
     </p:spTree>
     <p:extLst>
       <p:ext uri="{BB962C8B-B14F-4D97-AF65-F5344CB8AC3E}">
@@ -7273,9 +8172,99 @@
           </a:p>
         </p:txBody>
       </p:sp>
+      <p:sp>
+        <p:nvSpPr>
+          <p:cNvPr id="5" name="TextBox 4"/>
+          <p:cNvSpPr txBox="1"/>
+          <p:nvPr/>
+        </p:nvSpPr>
+        <p:spPr>
+          <a:xfrm>
+            <a:off x="705394" y="4746170"/>
+            <a:ext cx="10648406" cy="1569660"/>
+          </a:xfrm>
+          <a:prstGeom prst="rect">
+            <a:avLst/>
+          </a:prstGeom>
+          <a:noFill/>
+        </p:spPr>
+        <p:txBody>
+          <a:bodyPr wrap="square" rtlCol="0">
+            <a:spAutoFit/>
+          </a:bodyPr>
+          <a:lstStyle/>
+          <a:p>
+            <a:r>
+              <a:rPr lang="ru-RU" sz="2400" dirty="0" smtClean="0"/>
+              <a:t>Пусть входная строка совпадает с нашим шаблоном. Теперь смотрим на строку «</a:t>
+            </a:r>
+            <a:r>
+              <a:rPr lang="en-US" sz="2400" dirty="0" err="1" smtClean="0"/>
+              <a:t>abc</a:t>
+            </a:r>
+            <a:r>
+              <a:rPr lang="ru-RU" sz="2400" dirty="0" smtClean="0"/>
+              <a:t>», а конкретно на её 1-ю букву</a:t>
+            </a:r>
+            <a:r>
+              <a:rPr lang="en-US" sz="2400" dirty="0" smtClean="0"/>
+              <a:t>. </a:t>
+            </a:r>
+            <a:r>
+              <a:rPr lang="ru-RU" sz="2400" dirty="0" smtClean="0"/>
+              <a:t>Нетрудно заметить, что это «</a:t>
+            </a:r>
+            <a:r>
+              <a:rPr lang="en-US" sz="2400" dirty="0" smtClean="0"/>
+              <a:t>a</a:t>
+            </a:r>
+            <a:r>
+              <a:rPr lang="ru-RU" sz="2400" dirty="0" smtClean="0"/>
+              <a:t>».</a:t>
+            </a:r>
+            <a:r>
+              <a:rPr lang="en-US" sz="2400" dirty="0" smtClean="0"/>
+              <a:t> </a:t>
+            </a:r>
+            <a:r>
+              <a:rPr lang="ru-RU" sz="2400" dirty="0" smtClean="0"/>
+              <a:t>Далее смотрим на позицию с фишкой и видим, что она указывает на переход с буквой «</a:t>
+            </a:r>
+            <a:r>
+              <a:rPr lang="en-US" sz="2400" dirty="0" smtClean="0"/>
+              <a:t>a</a:t>
+            </a:r>
+            <a:r>
+              <a:rPr lang="ru-RU" sz="2400" dirty="0" smtClean="0"/>
+              <a:t>»</a:t>
+            </a:r>
+            <a:r>
+              <a:rPr lang="en-US" sz="2400" dirty="0" smtClean="0"/>
+              <a:t>.</a:t>
+            </a:r>
+            <a:r>
+              <a:rPr lang="ru-RU" sz="2400" dirty="0" smtClean="0"/>
+              <a:t> Соответственно мы можем передвинуть фишку через переход «</a:t>
+            </a:r>
+            <a:r>
+              <a:rPr lang="en-US" sz="2400" dirty="0" smtClean="0"/>
+              <a:t>a</a:t>
+            </a:r>
+            <a:r>
+              <a:rPr lang="ru-RU" sz="2400" dirty="0" smtClean="0"/>
+              <a:t>»</a:t>
+            </a:r>
+            <a:r>
+              <a:rPr lang="en-US" sz="2400" dirty="0" smtClean="0"/>
+              <a:t>.</a:t>
+            </a:r>
+            <a:endParaRPr lang="ru-RU" sz="2000" dirty="0"/>
+          </a:p>
+        </p:txBody>
+      </p:sp>
       <p:pic>
         <p:nvPicPr>
-          <p:cNvPr id="4" name="Рисунок 3"/>
+          <p:cNvPr id="3" name="Рисунок 2"/>
           <p:cNvPicPr>
             <a:picLocks noChangeAspect="1"/>
           </p:cNvPicPr>
@@ -7289,7 +8278,7 @@
         </p:blipFill>
         <p:spPr>
           <a:xfrm>
-            <a:off x="838200" y="1946093"/>
+            <a:off x="838200" y="1928676"/>
             <a:ext cx="10163175" cy="1885950"/>
           </a:xfrm>
           <a:prstGeom prst="rect">
@@ -7297,96 +8286,6 @@
           </a:prstGeom>
         </p:spPr>
       </p:pic>
-      <p:sp>
-        <p:nvSpPr>
-          <p:cNvPr id="5" name="TextBox 4"/>
-          <p:cNvSpPr txBox="1"/>
-          <p:nvPr/>
-        </p:nvSpPr>
-        <p:spPr>
-          <a:xfrm>
-            <a:off x="705394" y="4746170"/>
-            <a:ext cx="10648406" cy="1569660"/>
-          </a:xfrm>
-          <a:prstGeom prst="rect">
-            <a:avLst/>
-          </a:prstGeom>
-          <a:noFill/>
-        </p:spPr>
-        <p:txBody>
-          <a:bodyPr wrap="square" rtlCol="0">
-            <a:spAutoFit/>
-          </a:bodyPr>
-          <a:lstStyle/>
-          <a:p>
-            <a:r>
-              <a:rPr lang="ru-RU" sz="2400" dirty="0" smtClean="0"/>
-              <a:t>Пусть входная строка совпадает с нашим шаблоном. Теперь смотрим на строку «</a:t>
-            </a:r>
-            <a:r>
-              <a:rPr lang="en-US" sz="2400" dirty="0" err="1" smtClean="0"/>
-              <a:t>abc</a:t>
-            </a:r>
-            <a:r>
-              <a:rPr lang="ru-RU" sz="2400" dirty="0" smtClean="0"/>
-              <a:t>», а конкретно на её 1-ю букву</a:t>
-            </a:r>
-            <a:r>
-              <a:rPr lang="en-US" sz="2400" dirty="0" smtClean="0"/>
-              <a:t>. </a:t>
-            </a:r>
-            <a:r>
-              <a:rPr lang="ru-RU" sz="2400" dirty="0" smtClean="0"/>
-              <a:t>Нетрудно заметить, что это «</a:t>
-            </a:r>
-            <a:r>
-              <a:rPr lang="en-US" sz="2400" dirty="0" smtClean="0"/>
-              <a:t>a</a:t>
-            </a:r>
-            <a:r>
-              <a:rPr lang="ru-RU" sz="2400" dirty="0" smtClean="0"/>
-              <a:t>».</a:t>
-            </a:r>
-            <a:r>
-              <a:rPr lang="en-US" sz="2400" dirty="0" smtClean="0"/>
-              <a:t> </a:t>
-            </a:r>
-            <a:r>
-              <a:rPr lang="ru-RU" sz="2400" dirty="0" smtClean="0"/>
-              <a:t>Далее смотрим на позицию с фишкой и видим, что она указывает на переход с буквой «</a:t>
-            </a:r>
-            <a:r>
-              <a:rPr lang="en-US" sz="2400" dirty="0" smtClean="0"/>
-              <a:t>a</a:t>
-            </a:r>
-            <a:r>
-              <a:rPr lang="ru-RU" sz="2400" dirty="0" smtClean="0"/>
-              <a:t>»</a:t>
-            </a:r>
-            <a:r>
-              <a:rPr lang="en-US" sz="2400" dirty="0" smtClean="0"/>
-              <a:t>.</a:t>
-            </a:r>
-            <a:r>
-              <a:rPr lang="ru-RU" sz="2400" dirty="0" smtClean="0"/>
-              <a:t> Соответственно мы можем передвинуть фишку через переход «</a:t>
-            </a:r>
-            <a:r>
-              <a:rPr lang="en-US" sz="2400" dirty="0" smtClean="0"/>
-              <a:t>a</a:t>
-            </a:r>
-            <a:r>
-              <a:rPr lang="ru-RU" sz="2400" dirty="0" smtClean="0"/>
-              <a:t>»</a:t>
-            </a:r>
-            <a:r>
-              <a:rPr lang="en-US" sz="2400" dirty="0" smtClean="0"/>
-              <a:t>.</a:t>
-            </a:r>
-            <a:endParaRPr lang="ru-RU" sz="2000" dirty="0"/>
-          </a:p>
-        </p:txBody>
-      </p:sp>
     </p:spTree>
     <p:extLst>
       <p:ext uri="{BB962C8B-B14F-4D97-AF65-F5344CB8AC3E}">
@@ -7444,32 +8343,6 @@
           </a:p>
         </p:txBody>
       </p:sp>
-      <p:pic>
-        <p:nvPicPr>
-          <p:cNvPr id="4" name="Объект 3"/>
-          <p:cNvPicPr>
-            <a:picLocks noGrp="1" noChangeAspect="1"/>
-          </p:cNvPicPr>
-          <p:nvPr>
-            <p:ph idx="1"/>
-          </p:nvPr>
-        </p:nvPicPr>
-        <p:blipFill>
-          <a:blip r:embed="rId2"/>
-          <a:stretch>
-            <a:fillRect/>
-          </a:stretch>
-        </p:blipFill>
-        <p:spPr>
-          <a:xfrm>
-            <a:off x="637903" y="1690688"/>
-            <a:ext cx="10515600" cy="2405467"/>
-          </a:xfrm>
-          <a:prstGeom prst="rect">
-            <a:avLst/>
-          </a:prstGeom>
-        </p:spPr>
-      </p:pic>
       <p:sp>
         <p:nvSpPr>
           <p:cNvPr id="5" name="TextBox 4"/>
@@ -7516,6 +8389,32 @@
           </a:p>
         </p:txBody>
       </p:sp>
+      <p:pic>
+        <p:nvPicPr>
+          <p:cNvPr id="7" name="Объект 6"/>
+          <p:cNvPicPr>
+            <a:picLocks noGrp="1" noChangeAspect="1"/>
+          </p:cNvPicPr>
+          <p:nvPr>
+            <p:ph idx="1"/>
+          </p:nvPr>
+        </p:nvPicPr>
+        <p:blipFill>
+          <a:blip r:embed="rId2"/>
+          <a:stretch>
+            <a:fillRect/>
+          </a:stretch>
+        </p:blipFill>
+        <p:spPr>
+          <a:xfrm>
+            <a:off x="698863" y="1690688"/>
+            <a:ext cx="10515600" cy="2400300"/>
+          </a:xfrm>
+          <a:prstGeom prst="rect">
+            <a:avLst/>
+          </a:prstGeom>
+        </p:spPr>
+      </p:pic>
     </p:spTree>
     <p:extLst>
       <p:ext uri="{BB962C8B-B14F-4D97-AF65-F5344CB8AC3E}">
@@ -7546,43 +8445,13 @@
           <a:chExt cx="0" cy="0"/>
         </a:xfrm>
       </p:grpSpPr>
-      <p:sp>
-        <p:nvSpPr>
-          <p:cNvPr id="2" name="Заголовок 1"/>
-          <p:cNvSpPr>
-            <a:spLocks noGrp="1"/>
-          </p:cNvSpPr>
-          <p:nvPr>
-            <p:ph type="title"/>
-          </p:nvPr>
-        </p:nvSpPr>
-        <p:spPr>
-          <a:xfrm>
-            <a:off x="838200" y="365126"/>
-            <a:ext cx="10515600" cy="723446"/>
-          </a:xfrm>
-        </p:spPr>
-        <p:txBody>
-          <a:bodyPr/>
-          <a:lstStyle/>
-          <a:p>
-            <a:r>
-              <a:rPr lang="ru-RU" dirty="0" smtClean="0"/>
-              <a:t>Завершаем пример по тому же принципу.</a:t>
-            </a:r>
-            <a:endParaRPr lang="ru-RU" dirty="0"/>
-          </a:p>
-        </p:txBody>
-      </p:sp>
       <p:pic>
         <p:nvPicPr>
-          <p:cNvPr id="4" name="Объект 3"/>
+          <p:cNvPr id="10" name="Рисунок 9"/>
           <p:cNvPicPr>
-            <a:picLocks noGrp="1" noChangeAspect="1"/>
+            <a:picLocks noChangeAspect="1"/>
           </p:cNvPicPr>
-          <p:nvPr>
-            <p:ph idx="1"/>
-          </p:nvPr>
+          <p:nvPr/>
         </p:nvPicPr>
         <p:blipFill>
           <a:blip r:embed="rId2"/>
@@ -7592,38 +8461,42 @@
         </p:blipFill>
         <p:spPr>
           <a:xfrm>
-            <a:off x="773566" y="1088572"/>
-            <a:ext cx="10296525" cy="2228850"/>
+            <a:off x="435428" y="3170057"/>
+            <a:ext cx="10744200" cy="2400300"/>
           </a:xfrm>
           <a:prstGeom prst="rect">
             <a:avLst/>
           </a:prstGeom>
         </p:spPr>
       </p:pic>
-      <p:pic>
-        <p:nvPicPr>
-          <p:cNvPr id="5" name="Рисунок 4"/>
-          <p:cNvPicPr>
-            <a:picLocks noChangeAspect="1"/>
-          </p:cNvPicPr>
-          <p:nvPr/>
-        </p:nvPicPr>
-        <p:blipFill>
-          <a:blip r:embed="rId3"/>
-          <a:stretch>
-            <a:fillRect/>
-          </a:stretch>
-        </p:blipFill>
+      <p:sp>
+        <p:nvSpPr>
+          <p:cNvPr id="2" name="Заголовок 1"/>
+          <p:cNvSpPr>
+            <a:spLocks noGrp="1"/>
+          </p:cNvSpPr>
+          <p:nvPr>
+            <p:ph type="title"/>
+          </p:nvPr>
+        </p:nvSpPr>
         <p:spPr>
           <a:xfrm>
-            <a:off x="549728" y="3317422"/>
-            <a:ext cx="10744200" cy="2152650"/>
+            <a:off x="838200" y="365126"/>
+            <a:ext cx="10515600" cy="723446"/>
           </a:xfrm>
-          <a:prstGeom prst="rect">
-            <a:avLst/>
-          </a:prstGeom>
         </p:spPr>
-      </p:pic>
+        <p:txBody>
+          <a:bodyPr/>
+          <a:lstStyle/>
+          <a:p>
+            <a:r>
+              <a:rPr lang="ru-RU" dirty="0" smtClean="0"/>
+              <a:t>Завершаем пример по тому же принципу.</a:t>
+            </a:r>
+            <a:endParaRPr lang="ru-RU" dirty="0"/>
+          </a:p>
+        </p:txBody>
+      </p:sp>
       <p:sp>
         <p:nvSpPr>
           <p:cNvPr id="6" name="TextBox 5"/>
@@ -7654,6 +8527,32 @@
           </a:p>
         </p:txBody>
       </p:sp>
+      <p:pic>
+        <p:nvPicPr>
+          <p:cNvPr id="8" name="Объект 7"/>
+          <p:cNvPicPr>
+            <a:picLocks noGrp="1" noChangeAspect="1"/>
+          </p:cNvPicPr>
+          <p:nvPr>
+            <p:ph idx="1"/>
+          </p:nvPr>
+        </p:nvPicPr>
+        <p:blipFill>
+          <a:blip r:embed="rId3"/>
+          <a:stretch>
+            <a:fillRect/>
+          </a:stretch>
+        </p:blipFill>
+        <p:spPr>
+          <a:xfrm>
+            <a:off x="664028" y="1002847"/>
+            <a:ext cx="10515600" cy="2400300"/>
+          </a:xfrm>
+          <a:prstGeom prst="rect">
+            <a:avLst/>
+          </a:prstGeom>
+        </p:spPr>
+      </p:pic>
     </p:spTree>
     <p:extLst>
       <p:ext uri="{BB962C8B-B14F-4D97-AF65-F5344CB8AC3E}">
@@ -7664,6 +8563,13 @@
   <p:clrMapOvr>
     <a:masterClrMapping/>
   </p:clrMapOvr>
+  <p:timing>
+    <p:tnLst>
+      <p:par>
+        <p:cTn id="1" dur="indefinite" restart="never" nodeType="tmRoot"/>
+      </p:par>
+    </p:tnLst>
+  </p:timing>
 </p:sld>
 </file>
 
@@ -7926,4 +8832,265 @@
     </a:ext>
   </a:extLst>
 </a:theme>
+</file>
+
+<file path=ppt/theme/theme2.xml><?xml version="1.0" encoding="utf-8"?>
+<a:theme xmlns:a="http://schemas.openxmlformats.org/drawingml/2006/main" name="Тема Office">
+  <a:themeElements>
+    <a:clrScheme name="Стандартная">
+      <a:dk1>
+        <a:sysClr val="windowText" lastClr="000000"/>
+      </a:dk1>
+      <a:lt1>
+        <a:sysClr val="window" lastClr="FFFFFF"/>
+      </a:lt1>
+      <a:dk2>
+        <a:srgbClr val="44546A"/>
+      </a:dk2>
+      <a:lt2>
+        <a:srgbClr val="E7E6E6"/>
+      </a:lt2>
+      <a:accent1>
+        <a:srgbClr val="5B9BD5"/>
+      </a:accent1>
+      <a:accent2>
+        <a:srgbClr val="ED7D31"/>
+      </a:accent2>
+      <a:accent3>
+        <a:srgbClr val="A5A5A5"/>
+      </a:accent3>
+      <a:accent4>
+        <a:srgbClr val="FFC000"/>
+      </a:accent4>
+      <a:accent5>
+        <a:srgbClr val="4472C4"/>
+      </a:accent5>
+      <a:accent6>
+        <a:srgbClr val="70AD47"/>
+      </a:accent6>
+      <a:hlink>
+        <a:srgbClr val="0563C1"/>
+      </a:hlink>
+      <a:folHlink>
+        <a:srgbClr val="954F72"/>
+      </a:folHlink>
+    </a:clrScheme>
+    <a:fontScheme name="Стандартная">
+      <a:majorFont>
+        <a:latin typeface="Calibri Light" panose="020F0302020204030204"/>
+        <a:ea typeface=""/>
+        <a:cs typeface=""/>
+        <a:font script="Jpan" typeface="ＭＳ Ｐゴシック"/>
+        <a:font script="Hang" typeface="맑은 고딕"/>
+        <a:font script="Hans" typeface="宋体"/>
+        <a:font script="Hant" typeface="新細明體"/>
+        <a:font script="Arab" typeface="Times New Roman"/>
+        <a:font script="Hebr" typeface="Times New Roman"/>
+        <a:font script="Thai" typeface="Angsana New"/>
+        <a:font script="Ethi" typeface="Nyala"/>
+        <a:font script="Beng" typeface="Vrinda"/>
+        <a:font script="Gujr" typeface="Shruti"/>
+        <a:font script="Khmr" typeface="MoolBoran"/>
+        <a:font script="Knda" typeface="Tunga"/>
+        <a:font script="Guru" typeface="Raavi"/>
+        <a:font script="Cans" typeface="Euphemia"/>
+        <a:font script="Cher" typeface="Plantagenet Cherokee"/>
+        <a:font script="Yiii" typeface="Microsoft Yi Baiti"/>
+        <a:font script="Tibt" typeface="Microsoft Himalaya"/>
+        <a:font script="Thaa" typeface="MV Boli"/>
+        <a:font script="Deva" typeface="Mangal"/>
+        <a:font script="Telu" typeface="Gautami"/>
+        <a:font script="Taml" typeface="Latha"/>
+        <a:font script="Syrc" typeface="Estrangelo Edessa"/>
+        <a:font script="Orya" typeface="Kalinga"/>
+        <a:font script="Mlym" typeface="Kartika"/>
+        <a:font script="Laoo" typeface="DokChampa"/>
+        <a:font script="Sinh" typeface="Iskoola Pota"/>
+        <a:font script="Mong" typeface="Mongolian Baiti"/>
+        <a:font script="Viet" typeface="Times New Roman"/>
+        <a:font script="Uigh" typeface="Microsoft Uighur"/>
+        <a:font script="Geor" typeface="Sylfaen"/>
+      </a:majorFont>
+      <a:minorFont>
+        <a:latin typeface="Calibri" panose="020F0502020204030204"/>
+        <a:ea typeface=""/>
+        <a:cs typeface=""/>
+        <a:font script="Jpan" typeface="ＭＳ Ｐゴシック"/>
+        <a:font script="Hang" typeface="맑은 고딕"/>
+        <a:font script="Hans" typeface="宋体"/>
+        <a:font script="Hant" typeface="新細明體"/>
+        <a:font script="Arab" typeface="Arial"/>
+        <a:font script="Hebr" typeface="Arial"/>
+        <a:font script="Thai" typeface="Cordia New"/>
+        <a:font script="Ethi" typeface="Nyala"/>
+        <a:font script="Beng" typeface="Vrinda"/>
+        <a:font script="Gujr" typeface="Shruti"/>
+        <a:font script="Khmr" typeface="DaunPenh"/>
+        <a:font script="Knda" typeface="Tunga"/>
+        <a:font script="Guru" typeface="Raavi"/>
+        <a:font script="Cans" typeface="Euphemia"/>
+        <a:font script="Cher" typeface="Plantagenet Cherokee"/>
+        <a:font script="Yiii" typeface="Microsoft Yi Baiti"/>
+        <a:font script="Tibt" typeface="Microsoft Himalaya"/>
+        <a:font script="Thaa" typeface="MV Boli"/>
+        <a:font script="Deva" typeface="Mangal"/>
+        <a:font script="Telu" typeface="Gautami"/>
+        <a:font script="Taml" typeface="Latha"/>
+        <a:font script="Syrc" typeface="Estrangelo Edessa"/>
+        <a:font script="Orya" typeface="Kalinga"/>
+        <a:font script="Mlym" typeface="Kartika"/>
+        <a:font script="Laoo" typeface="DokChampa"/>
+        <a:font script="Sinh" typeface="Iskoola Pota"/>
+        <a:font script="Mong" typeface="Mongolian Baiti"/>
+        <a:font script="Viet" typeface="Arial"/>
+        <a:font script="Uigh" typeface="Microsoft Uighur"/>
+        <a:font script="Geor" typeface="Sylfaen"/>
+      </a:minorFont>
+    </a:fontScheme>
+    <a:fmtScheme name="Стандартная">
+      <a:fillStyleLst>
+        <a:solidFill>
+          <a:schemeClr val="phClr"/>
+        </a:solidFill>
+        <a:gradFill rotWithShape="1">
+          <a:gsLst>
+            <a:gs pos="0">
+              <a:schemeClr val="phClr">
+                <a:lumMod val="110000"/>
+                <a:satMod val="105000"/>
+                <a:tint val="67000"/>
+              </a:schemeClr>
+            </a:gs>
+            <a:gs pos="50000">
+              <a:schemeClr val="phClr">
+                <a:lumMod val="105000"/>
+                <a:satMod val="103000"/>
+                <a:tint val="73000"/>
+              </a:schemeClr>
+            </a:gs>
+            <a:gs pos="100000">
+              <a:schemeClr val="phClr">
+                <a:lumMod val="105000"/>
+                <a:satMod val="109000"/>
+                <a:tint val="81000"/>
+              </a:schemeClr>
+            </a:gs>
+          </a:gsLst>
+          <a:lin ang="5400000" scaled="0"/>
+        </a:gradFill>
+        <a:gradFill rotWithShape="1">
+          <a:gsLst>
+            <a:gs pos="0">
+              <a:schemeClr val="phClr">
+                <a:satMod val="103000"/>
+                <a:lumMod val="102000"/>
+                <a:tint val="94000"/>
+              </a:schemeClr>
+            </a:gs>
+            <a:gs pos="50000">
+              <a:schemeClr val="phClr">
+                <a:satMod val="110000"/>
+                <a:lumMod val="100000"/>
+                <a:shade val="100000"/>
+              </a:schemeClr>
+            </a:gs>
+            <a:gs pos="100000">
+              <a:schemeClr val="phClr">
+                <a:lumMod val="99000"/>
+                <a:satMod val="120000"/>
+                <a:shade val="78000"/>
+              </a:schemeClr>
+            </a:gs>
+          </a:gsLst>
+          <a:lin ang="5400000" scaled="0"/>
+        </a:gradFill>
+      </a:fillStyleLst>
+      <a:lnStyleLst>
+        <a:ln w="6350" cap="flat" cmpd="sng" algn="ctr">
+          <a:solidFill>
+            <a:schemeClr val="phClr"/>
+          </a:solidFill>
+          <a:prstDash val="solid"/>
+          <a:miter lim="800000"/>
+        </a:ln>
+        <a:ln w="12700" cap="flat" cmpd="sng" algn="ctr">
+          <a:solidFill>
+            <a:schemeClr val="phClr"/>
+          </a:solidFill>
+          <a:prstDash val="solid"/>
+          <a:miter lim="800000"/>
+        </a:ln>
+        <a:ln w="19050" cap="flat" cmpd="sng" algn="ctr">
+          <a:solidFill>
+            <a:schemeClr val="phClr"/>
+          </a:solidFill>
+          <a:prstDash val="solid"/>
+          <a:miter lim="800000"/>
+        </a:ln>
+      </a:lnStyleLst>
+      <a:effectStyleLst>
+        <a:effectStyle>
+          <a:effectLst/>
+        </a:effectStyle>
+        <a:effectStyle>
+          <a:effectLst/>
+        </a:effectStyle>
+        <a:effectStyle>
+          <a:effectLst>
+            <a:outerShdw blurRad="57150" dist="19050" dir="5400000" algn="ctr" rotWithShape="0">
+              <a:srgbClr val="000000">
+                <a:alpha val="63000"/>
+              </a:srgbClr>
+            </a:outerShdw>
+          </a:effectLst>
+        </a:effectStyle>
+      </a:effectStyleLst>
+      <a:bgFillStyleLst>
+        <a:solidFill>
+          <a:schemeClr val="phClr"/>
+        </a:solidFill>
+        <a:solidFill>
+          <a:schemeClr val="phClr">
+            <a:tint val="95000"/>
+            <a:satMod val="170000"/>
+          </a:schemeClr>
+        </a:solidFill>
+        <a:gradFill rotWithShape="1">
+          <a:gsLst>
+            <a:gs pos="0">
+              <a:schemeClr val="phClr">
+                <a:tint val="93000"/>
+                <a:satMod val="150000"/>
+                <a:shade val="98000"/>
+                <a:lumMod val="102000"/>
+              </a:schemeClr>
+            </a:gs>
+            <a:gs pos="50000">
+              <a:schemeClr val="phClr">
+                <a:tint val="98000"/>
+                <a:satMod val="130000"/>
+                <a:shade val="90000"/>
+                <a:lumMod val="103000"/>
+              </a:schemeClr>
+            </a:gs>
+            <a:gs pos="100000">
+              <a:schemeClr val="phClr">
+                <a:shade val="63000"/>
+                <a:satMod val="120000"/>
+              </a:schemeClr>
+            </a:gs>
+          </a:gsLst>
+          <a:lin ang="5400000" scaled="0"/>
+        </a:gradFill>
+      </a:bgFillStyleLst>
+    </a:fmtScheme>
+  </a:themeElements>
+  <a:objectDefaults/>
+  <a:extraClrSchemeLst/>
+  <a:extLst>
+    <a:ext uri="{05A4C25C-085E-4340-85A3-A5531E510DB2}">
+      <thm15:themeFamily xmlns:thm15="http://schemas.microsoft.com/office/thememl/2012/main" name="Office Theme" id="{62F939B6-93AF-4DB8-9C6B-D6C7DFDC589F}" vid="{4A3C46E8-61CC-4603-A589-7422A47A8E4A}"/>
+    </a:ext>
+  </a:extLst>
+</a:theme>
 </file>